--- a/Demo and Presentation/Presentations/lex_datum.pptx
+++ b/Demo and Presentation/Presentations/lex_datum.pptx
@@ -5,7 +5,7 @@
     <p:sldMasterId id="2147483685" r:id="rId4"/>
   </p:sldMasterIdLst>
   <p:notesMasterIdLst>
-    <p:notesMasterId r:id="rId11"/>
+    <p:notesMasterId r:id="rId12"/>
   </p:notesMasterIdLst>
   <p:sldIdLst>
     <p:sldId id="356" r:id="rId5"/>
@@ -14,6 +14,7 @@
     <p:sldId id="357" r:id="rId8"/>
     <p:sldId id="354" r:id="rId9"/>
     <p:sldId id="344" r:id="rId10"/>
+    <p:sldId id="358" r:id="rId11"/>
   </p:sldIdLst>
   <p:sldSz cx="12192000" cy="6858000"/>
   <p:notesSz cx="6858000" cy="9144000"/>
@@ -140,8 +141,140 @@
     <p1510:client id="{4B1A5ED2-B5E4-E848-2752-1CB4534409B3}" v="1622" dt="2024-09-28T17:37:05.347"/>
     <p1510:client id="{5684DB56-86AE-F0DA-57A4-EA9C21DD27D2}" v="210" dt="2024-09-28T17:34:52.867"/>
     <p1510:client id="{5F775E18-6410-006C-DD39-365A3BD659F8}" v="44" dt="2024-09-28T16:39:30.986"/>
+    <p1510:client id="{BE90A206-022C-42F9-BC3B-88412942049C}" v="2" dt="2024-09-28T13:51:47.133"/>
   </p1510:revLst>
 </p1510:revInfo>
+</file>
+
+<file path=ppt/changesInfos/changesInfo1.xml><?xml version="1.0" encoding="utf-8"?>
+<pc:chgInfo xmlns:a="http://schemas.openxmlformats.org/drawingml/2006/main" xmlns:r="http://schemas.openxmlformats.org/officeDocument/2006/relationships" xmlns:ac="http://schemas.microsoft.com/office/drawing/2013/main/command" xmlns:pc="http://schemas.microsoft.com/office/powerpoint/2013/main/command">
+  <pc:docChgLst>
+    <pc:chgData name="Ananth K S" userId="560bdf7c4e997a0f" providerId="LiveId" clId="{BE90A206-022C-42F9-BC3B-88412942049C}"/>
+    <pc:docChg chg="undo custSel addSld modSld">
+      <pc:chgData name="Ananth K S" userId="560bdf7c4e997a0f" providerId="LiveId" clId="{BE90A206-022C-42F9-BC3B-88412942049C}" dt="2024-09-28T13:54:47.387" v="189" actId="20577"/>
+      <pc:docMkLst>
+        <pc:docMk/>
+      </pc:docMkLst>
+      <pc:sldChg chg="modSp mod">
+        <pc:chgData name="Ananth K S" userId="560bdf7c4e997a0f" providerId="LiveId" clId="{BE90A206-022C-42F9-BC3B-88412942049C}" dt="2024-09-28T13:54:47.387" v="189" actId="20577"/>
+        <pc:sldMkLst>
+          <pc:docMk/>
+          <pc:sldMk cId="2276898735" sldId="257"/>
+        </pc:sldMkLst>
+        <pc:spChg chg="mod">
+          <ac:chgData name="Ananth K S" userId="560bdf7c4e997a0f" providerId="LiveId" clId="{BE90A206-022C-42F9-BC3B-88412942049C}" dt="2024-09-28T13:54:47.387" v="189" actId="20577"/>
+          <ac:spMkLst>
+            <pc:docMk/>
+            <pc:sldMk cId="2276898735" sldId="257"/>
+            <ac:spMk id="4" creationId="{FF4EB918-6FFA-EB7C-DD2D-80621C6E423C}"/>
+          </ac:spMkLst>
+        </pc:spChg>
+      </pc:sldChg>
+      <pc:sldChg chg="addSp delSp modSp mod modClrScheme chgLayout">
+        <pc:chgData name="Ananth K S" userId="560bdf7c4e997a0f" providerId="LiveId" clId="{BE90A206-022C-42F9-BC3B-88412942049C}" dt="2024-09-28T13:43:46.864" v="2" actId="700"/>
+        <pc:sldMkLst>
+          <pc:docMk/>
+          <pc:sldMk cId="3494493743" sldId="344"/>
+        </pc:sldMkLst>
+        <pc:spChg chg="add del mod ord">
+          <ac:chgData name="Ananth K S" userId="560bdf7c4e997a0f" providerId="LiveId" clId="{BE90A206-022C-42F9-BC3B-88412942049C}" dt="2024-09-28T13:43:46.864" v="2" actId="700"/>
+          <ac:spMkLst>
+            <pc:docMk/>
+            <pc:sldMk cId="3494493743" sldId="344"/>
+            <ac:spMk id="2" creationId="{5C249412-BB81-2236-F605-17E3EB2AF8DF}"/>
+          </ac:spMkLst>
+        </pc:spChg>
+        <pc:spChg chg="mod ord">
+          <ac:chgData name="Ananth K S" userId="560bdf7c4e997a0f" providerId="LiveId" clId="{BE90A206-022C-42F9-BC3B-88412942049C}" dt="2024-09-28T13:43:46.864" v="2" actId="700"/>
+          <ac:spMkLst>
+            <pc:docMk/>
+            <pc:sldMk cId="3494493743" sldId="344"/>
+            <ac:spMk id="4" creationId="{9104ACC5-E927-6BB9-2E42-EFCA5DF6C387}"/>
+          </ac:spMkLst>
+        </pc:spChg>
+      </pc:sldChg>
+      <pc:sldChg chg="addSp delSp modSp new mod modClrScheme chgLayout">
+        <pc:chgData name="Ananth K S" userId="560bdf7c4e997a0f" providerId="LiveId" clId="{BE90A206-022C-42F9-BC3B-88412942049C}" dt="2024-09-28T13:51:47.130" v="174" actId="20577"/>
+        <pc:sldMkLst>
+          <pc:docMk/>
+          <pc:sldMk cId="3950765045" sldId="358"/>
+        </pc:sldMkLst>
+        <pc:spChg chg="del mod ord">
+          <ac:chgData name="Ananth K S" userId="560bdf7c4e997a0f" providerId="LiveId" clId="{BE90A206-022C-42F9-BC3B-88412942049C}" dt="2024-09-28T13:43:51.018" v="3" actId="700"/>
+          <ac:spMkLst>
+            <pc:docMk/>
+            <pc:sldMk cId="3950765045" sldId="358"/>
+            <ac:spMk id="2" creationId="{50BA70EB-25A4-EBD5-F573-E0F51CF7D466}"/>
+          </ac:spMkLst>
+        </pc:spChg>
+        <pc:spChg chg="del mod ord">
+          <ac:chgData name="Ananth K S" userId="560bdf7c4e997a0f" providerId="LiveId" clId="{BE90A206-022C-42F9-BC3B-88412942049C}" dt="2024-09-28T13:43:51.018" v="3" actId="700"/>
+          <ac:spMkLst>
+            <pc:docMk/>
+            <pc:sldMk cId="3950765045" sldId="358"/>
+            <ac:spMk id="3" creationId="{6BED2034-6913-CA94-9DFF-50CBC85D6AB8}"/>
+          </ac:spMkLst>
+        </pc:spChg>
+        <pc:spChg chg="add del mod ord">
+          <ac:chgData name="Ananth K S" userId="560bdf7c4e997a0f" providerId="LiveId" clId="{BE90A206-022C-42F9-BC3B-88412942049C}" dt="2024-09-28T13:44:00.857" v="4" actId="700"/>
+          <ac:spMkLst>
+            <pc:docMk/>
+            <pc:sldMk cId="3950765045" sldId="358"/>
+            <ac:spMk id="4" creationId="{D17EEE44-9B67-2FD0-A0B1-2C12BED8A377}"/>
+          </ac:spMkLst>
+        </pc:spChg>
+        <pc:spChg chg="add del mod ord">
+          <ac:chgData name="Ananth K S" userId="560bdf7c4e997a0f" providerId="LiveId" clId="{BE90A206-022C-42F9-BC3B-88412942049C}" dt="2024-09-28T13:44:00.857" v="4" actId="700"/>
+          <ac:spMkLst>
+            <pc:docMk/>
+            <pc:sldMk cId="3950765045" sldId="358"/>
+            <ac:spMk id="5" creationId="{722440B0-7C2A-B1DB-C744-3F5A852948F0}"/>
+          </ac:spMkLst>
+        </pc:spChg>
+        <pc:spChg chg="add del mod ord">
+          <ac:chgData name="Ananth K S" userId="560bdf7c4e997a0f" providerId="LiveId" clId="{BE90A206-022C-42F9-BC3B-88412942049C}" dt="2024-09-28T13:48:20.596" v="60" actId="478"/>
+          <ac:spMkLst>
+            <pc:docMk/>
+            <pc:sldMk cId="3950765045" sldId="358"/>
+            <ac:spMk id="6" creationId="{523EE570-3F58-59D4-0529-93C6E2981442}"/>
+          </ac:spMkLst>
+        </pc:spChg>
+        <pc:spChg chg="add del mod ord">
+          <ac:chgData name="Ananth K S" userId="560bdf7c4e997a0f" providerId="LiveId" clId="{BE90A206-022C-42F9-BC3B-88412942049C}" dt="2024-09-28T13:47:37.224" v="57" actId="6264"/>
+          <ac:spMkLst>
+            <pc:docMk/>
+            <pc:sldMk cId="3950765045" sldId="358"/>
+            <ac:spMk id="7" creationId="{18661C2B-01BE-F640-5B44-7F1F357BB225}"/>
+          </ac:spMkLst>
+        </pc:spChg>
+        <pc:spChg chg="add del mod">
+          <ac:chgData name="Ananth K S" userId="560bdf7c4e997a0f" providerId="LiveId" clId="{BE90A206-022C-42F9-BC3B-88412942049C}" dt="2024-09-28T13:47:37.224" v="57" actId="6264"/>
+          <ac:spMkLst>
+            <pc:docMk/>
+            <pc:sldMk cId="3950765045" sldId="358"/>
+            <ac:spMk id="8" creationId="{F57162AD-7D40-70BE-EA59-AAB6991AB8E4}"/>
+          </ac:spMkLst>
+        </pc:spChg>
+        <pc:spChg chg="add mod ord">
+          <ac:chgData name="Ananth K S" userId="560bdf7c4e997a0f" providerId="LiveId" clId="{BE90A206-022C-42F9-BC3B-88412942049C}" dt="2024-09-28T13:51:47.130" v="174" actId="20577"/>
+          <ac:spMkLst>
+            <pc:docMk/>
+            <pc:sldMk cId="3950765045" sldId="358"/>
+            <ac:spMk id="9" creationId="{D2C718C3-9FB9-3A65-FCED-457428733FBE}"/>
+          </ac:spMkLst>
+        </pc:spChg>
+        <pc:spChg chg="add del mod">
+          <ac:chgData name="Ananth K S" userId="560bdf7c4e997a0f" providerId="LiveId" clId="{BE90A206-022C-42F9-BC3B-88412942049C}" dt="2024-09-28T13:48:26.536" v="63" actId="478"/>
+          <ac:spMkLst>
+            <pc:docMk/>
+            <pc:sldMk cId="3950765045" sldId="358"/>
+            <ac:spMk id="11" creationId="{45EDF459-2382-651F-2A27-85A50BDF7D87}"/>
+          </ac:spMkLst>
+        </pc:spChg>
+      </pc:sldChg>
+    </pc:docChg>
+  </pc:docChgLst>
+</pc:chgInfo>
 </file>
 
 <file path=ppt/ink/ink1.xml><?xml version="1.0" encoding="utf-8"?>
@@ -651,7 +784,7 @@
           <a:p>
             <a:fld id="{767E557C-9E66-43F1-9F87-179A985BA47D}" type="slidenum">
               <a:rPr lang="en-US" smtClean="0"/>
-              <a:t>7</a:t>
+              <a:t>6</a:t>
             </a:fld>
             <a:endParaRPr lang="en-US"/>
           </a:p>
@@ -4773,7 +4906,7 @@
               <a:buChar char="•"/>
             </a:pPr>
             <a:r>
-              <a:rPr lang="en-US" sz="2000" b="1">
+              <a:rPr lang="en-US" sz="2000" b="1" dirty="0">
                 <a:solidFill>
                   <a:srgbClr val="FFFFFF"/>
                 </a:solidFill>
@@ -4781,16 +4914,8 @@
                 <a:ea typeface="Calibri"/>
                 <a:cs typeface="Calibri"/>
               </a:rPr>
-              <a:t>K. S. Ananth(THE GOAT) </a:t>
-            </a:r>
-            <a:endParaRPr lang="en-US" sz="2000">
-              <a:solidFill>
-                <a:schemeClr val="bg2"/>
-              </a:solidFill>
-              <a:latin typeface="Calibri"/>
-              <a:ea typeface="Calibri"/>
-              <a:cs typeface="Calibri"/>
-            </a:endParaRPr>
+              <a:t>K. S. Ananth </a:t>
+            </a:r>
           </a:p>
           <a:p>
             <a:pPr marL="285750" indent="-285750">
@@ -4804,7 +4929,7 @@
               <a:buChar char="•"/>
             </a:pPr>
             <a:r>
-              <a:rPr lang="en-US" sz="2000" b="1">
+              <a:rPr lang="en-US" sz="2000" b="1" dirty="0">
                 <a:solidFill>
                   <a:schemeClr val="bg1"/>
                 </a:solidFill>
@@ -4812,11 +4937,22 @@
                 <a:ea typeface="Calibri"/>
                 <a:cs typeface="Calibri"/>
               </a:rPr>
-              <a:t>M. Bhavesh Chowdary</a:t>
-            </a:r>
-            <a:endParaRPr lang="en-US" sz="2000">
+              <a:t>Nimai </a:t>
+            </a:r>
+            <a:r>
+              <a:rPr lang="en-US" sz="2000" b="1" dirty="0" err="1">
+                <a:solidFill>
+                  <a:schemeClr val="bg1"/>
+                </a:solidFill>
+                <a:latin typeface="Calibri"/>
+                <a:ea typeface="Calibri"/>
+                <a:cs typeface="Calibri"/>
+              </a:rPr>
+              <a:t>Parsa</a:t>
+            </a:r>
+            <a:endParaRPr lang="en-US" sz="2000" dirty="0">
               <a:solidFill>
-                <a:schemeClr val="bg1"/>
+                <a:schemeClr val="bg2"/>
               </a:solidFill>
               <a:latin typeface="Calibri"/>
               <a:ea typeface="Calibri"/>
@@ -4835,7 +4971,7 @@
               <a:buChar char="•"/>
             </a:pPr>
             <a:r>
-              <a:rPr lang="en-US" sz="2000" b="1" err="1">
+              <a:rPr lang="en-US" sz="2000" b="1" dirty="0">
                 <a:solidFill>
                   <a:schemeClr val="bg1"/>
                 </a:solidFill>
@@ -4843,20 +4979,9 @@
                 <a:ea typeface="Calibri"/>
                 <a:cs typeface="Calibri"/>
               </a:rPr>
-              <a:t>Arugonda</a:t>
-            </a:r>
-            <a:r>
-              <a:rPr lang="en-US" sz="2000" b="1">
-                <a:solidFill>
-                  <a:schemeClr val="bg1"/>
-                </a:solidFill>
-                <a:latin typeface="Calibri"/>
-                <a:ea typeface="Calibri"/>
-                <a:cs typeface="Calibri"/>
-              </a:rPr>
-              <a:t> Srikar</a:t>
-            </a:r>
-            <a:endParaRPr lang="en-US" sz="2000">
+              <a:t>M. Bhavesh Chowdary</a:t>
+            </a:r>
+            <a:endParaRPr lang="en-US" sz="2000" dirty="0">
               <a:solidFill>
                 <a:schemeClr val="bg1"/>
               </a:solidFill>
@@ -4877,7 +5002,7 @@
               <a:buChar char="•"/>
             </a:pPr>
             <a:r>
-              <a:rPr lang="en-US" sz="2000" b="1">
+              <a:rPr lang="en-US" sz="2000" b="1" dirty="0" err="1">
                 <a:solidFill>
                   <a:schemeClr val="bg1"/>
                 </a:solidFill>
@@ -4885,9 +5010,31 @@
                 <a:ea typeface="Calibri"/>
                 <a:cs typeface="Calibri"/>
               </a:rPr>
-              <a:t>G. S. S. Koushik</a:t>
-            </a:r>
-            <a:endParaRPr lang="en-US" sz="2000">
+              <a:t>Arugonda</a:t>
+            </a:r>
+            <a:r>
+              <a:rPr lang="en-US" sz="2000" b="1" dirty="0">
+                <a:solidFill>
+                  <a:schemeClr val="bg1"/>
+                </a:solidFill>
+                <a:latin typeface="Calibri"/>
+                <a:ea typeface="Calibri"/>
+                <a:cs typeface="Calibri"/>
+              </a:rPr>
+              <a:t> </a:t>
+            </a:r>
+            <a:r>
+              <a:rPr lang="en-US" sz="2000" b="1" dirty="0" err="1">
+                <a:solidFill>
+                  <a:schemeClr val="bg1"/>
+                </a:solidFill>
+                <a:latin typeface="Calibri"/>
+                <a:ea typeface="Calibri"/>
+                <a:cs typeface="Calibri"/>
+              </a:rPr>
+              <a:t>Srikar</a:t>
+            </a:r>
+            <a:endParaRPr lang="en-US" sz="2000" dirty="0">
               <a:solidFill>
                 <a:schemeClr val="bg1"/>
               </a:solidFill>
@@ -4908,7 +5055,7 @@
               <a:buChar char="•"/>
             </a:pPr>
             <a:r>
-              <a:rPr lang="en-US" sz="2000" b="1">
+              <a:rPr lang="en-US" sz="2000" b="1" dirty="0">
                 <a:solidFill>
                   <a:schemeClr val="bg1"/>
                 </a:solidFill>
@@ -4916,9 +5063,9 @@
                 <a:ea typeface="Calibri"/>
                 <a:cs typeface="Calibri"/>
               </a:rPr>
-              <a:t>M. Kartikeya</a:t>
-            </a:r>
-            <a:endParaRPr lang="en-US" sz="2000">
+              <a:t>G. S. S. Koushik</a:t>
+            </a:r>
+            <a:endParaRPr lang="en-US" sz="2000" dirty="0">
               <a:solidFill>
                 <a:schemeClr val="bg1"/>
               </a:solidFill>
@@ -4939,7 +5086,7 @@
               <a:buChar char="•"/>
             </a:pPr>
             <a:r>
-              <a:rPr lang="en-US" sz="2000" b="1">
+              <a:rPr lang="en-US" sz="2000" b="1" dirty="0">
                 <a:solidFill>
                   <a:schemeClr val="bg1"/>
                 </a:solidFill>
@@ -4947,9 +5094,9 @@
                 <a:ea typeface="Calibri"/>
                 <a:cs typeface="Calibri"/>
               </a:rPr>
-              <a:t>Mohammed Gufran Ali</a:t>
-            </a:r>
-            <a:endParaRPr lang="en-US" sz="2000">
+              <a:t>M. Kartikeya</a:t>
+            </a:r>
+            <a:endParaRPr lang="en-US" sz="2000" dirty="0">
               <a:solidFill>
                 <a:schemeClr val="bg1"/>
               </a:solidFill>
@@ -4970,7 +5117,7 @@
               <a:buChar char="•"/>
             </a:pPr>
             <a:r>
-              <a:rPr lang="en-US" sz="2000" b="1">
+              <a:rPr lang="en-US" sz="2000" b="1" dirty="0">
                 <a:solidFill>
                   <a:schemeClr val="bg1"/>
                 </a:solidFill>
@@ -4978,12 +5125,37 @@
                 <a:ea typeface="Calibri"/>
                 <a:cs typeface="Calibri"/>
               </a:rPr>
-              <a:t>Nimai Parsa</a:t>
-            </a:r>
-            <a:endParaRPr lang="en-US">
+              <a:t>Mohammed </a:t>
+            </a:r>
+            <a:r>
+              <a:rPr lang="en-US" sz="2000" b="1" dirty="0" err="1">
+                <a:solidFill>
+                  <a:schemeClr val="bg1"/>
+                </a:solidFill>
+                <a:latin typeface="Calibri"/>
+                <a:ea typeface="Calibri"/>
+                <a:cs typeface="Calibri"/>
+              </a:rPr>
+              <a:t>Gufran</a:t>
+            </a:r>
+            <a:r>
+              <a:rPr lang="en-US" sz="2000" b="1" dirty="0">
+                <a:solidFill>
+                  <a:schemeClr val="bg1"/>
+                </a:solidFill>
+                <a:latin typeface="Calibri"/>
+                <a:ea typeface="Calibri"/>
+                <a:cs typeface="Calibri"/>
+              </a:rPr>
+              <a:t> Ali</a:t>
+            </a:r>
+            <a:endParaRPr lang="en-US" sz="2000" dirty="0">
               <a:solidFill>
                 <a:schemeClr val="bg1"/>
               </a:solidFill>
+              <a:latin typeface="Calibri"/>
+              <a:ea typeface="Calibri"/>
+              <a:cs typeface="Calibri"/>
             </a:endParaRPr>
           </a:p>
         </p:txBody>
@@ -5399,8 +5571,8 @@
           <a:chExt cx="0" cy="0"/>
         </a:xfrm>
       </p:grpSpPr>
-      <mc:AlternateContent xmlns:mc="http://schemas.openxmlformats.org/markup-compatibility/2006">
-        <mc:Choice xmlns:p14="http://schemas.microsoft.com/office/powerpoint/2010/main" Requires="p14">
+      <mc:AlternateContent xmlns:mc="http://schemas.openxmlformats.org/markup-compatibility/2006" xmlns:p14="http://schemas.microsoft.com/office/powerpoint/2010/main">
+        <mc:Choice Requires="p14">
           <p:contentPart p14:bwMode="auto" r:id="rId2">
             <p14:nvContentPartPr>
               <p14:cNvPr id="5" name="Ink 4">
@@ -5419,7 +5591,7 @@
             </p14:xfrm>
           </p:contentPart>
         </mc:Choice>
-        <mc:Fallback>
+        <mc:Fallback xmlns="">
           <p:pic>
             <p:nvPicPr>
               <p:cNvPr id="5" name="Ink 4">
@@ -6485,8 +6657,8 @@
           </a:p>
         </p:txBody>
       </p:sp>
-      <mc:AlternateContent xmlns:mc="http://schemas.openxmlformats.org/markup-compatibility/2006">
-        <mc:Choice xmlns:p14="http://schemas.microsoft.com/office/powerpoint/2010/main" Requires="p14">
+      <mc:AlternateContent xmlns:mc="http://schemas.openxmlformats.org/markup-compatibility/2006" xmlns:p14="http://schemas.microsoft.com/office/powerpoint/2010/main">
+        <mc:Choice Requires="p14">
           <p:contentPart p14:bwMode="auto" r:id="rId3">
             <p14:nvContentPartPr>
               <p14:cNvPr id="15" name="Ink 14">
@@ -6505,7 +6677,7 @@
             </p14:xfrm>
           </p:contentPart>
         </mc:Choice>
-        <mc:Fallback>
+        <mc:Fallback xmlns="">
           <p:pic>
             <p:nvPicPr>
               <p:cNvPr id="15" name="Ink 14">
@@ -6536,8 +6708,8 @@
           </p:pic>
         </mc:Fallback>
       </mc:AlternateContent>
-      <mc:AlternateContent xmlns:mc="http://schemas.openxmlformats.org/markup-compatibility/2006">
-        <mc:Choice xmlns:p14="http://schemas.microsoft.com/office/powerpoint/2010/main" Requires="p14">
+      <mc:AlternateContent xmlns:mc="http://schemas.openxmlformats.org/markup-compatibility/2006" xmlns:p14="http://schemas.microsoft.com/office/powerpoint/2010/main">
+        <mc:Choice Requires="p14">
           <p:contentPart p14:bwMode="auto" r:id="rId5">
             <p14:nvContentPartPr>
               <p14:cNvPr id="16" name="Ink 15">
@@ -6556,7 +6728,7 @@
             </p14:xfrm>
           </p:contentPart>
         </mc:Choice>
-        <mc:Fallback>
+        <mc:Fallback xmlns="">
           <p:pic>
             <p:nvPicPr>
               <p:cNvPr id="16" name="Ink 15">
@@ -6591,6 +6763,199 @@
     <p:extLst>
       <p:ext uri="{BB962C8B-B14F-4D97-AF65-F5344CB8AC3E}">
         <p14:creationId xmlns:p14="http://schemas.microsoft.com/office/powerpoint/2010/main" val="3494493743"/>
+      </p:ext>
+    </p:extLst>
+  </p:cSld>
+  <p:clrMapOvr>
+    <a:masterClrMapping/>
+  </p:clrMapOvr>
+</p:sld>
+</file>
+
+<file path=ppt/slides/slide7.xml><?xml version="1.0" encoding="utf-8"?>
+<p:sld xmlns:a="http://schemas.openxmlformats.org/drawingml/2006/main" xmlns:r="http://schemas.openxmlformats.org/officeDocument/2006/relationships" xmlns:p="http://schemas.openxmlformats.org/presentationml/2006/main">
+  <p:cSld>
+    <p:spTree>
+      <p:nvGrpSpPr>
+        <p:cNvPr id="1" name=""/>
+        <p:cNvGrpSpPr/>
+        <p:nvPr/>
+      </p:nvGrpSpPr>
+      <p:grpSpPr>
+        <a:xfrm>
+          <a:off x="0" y="0"/>
+          <a:ext cx="0" cy="0"/>
+          <a:chOff x="0" y="0"/>
+          <a:chExt cx="0" cy="0"/>
+        </a:xfrm>
+      </p:grpSpPr>
+      <p:sp>
+        <p:nvSpPr>
+          <p:cNvPr id="9" name="Content Placeholder 8">
+            <a:extLst>
+              <a:ext uri="{FF2B5EF4-FFF2-40B4-BE49-F238E27FC236}">
+                <a16:creationId xmlns:a16="http://schemas.microsoft.com/office/drawing/2014/main" id="{D2C718C3-9FB9-3A65-FCED-457428733FBE}"/>
+              </a:ext>
+            </a:extLst>
+          </p:cNvPr>
+          <p:cNvSpPr>
+            <a:spLocks noGrp="1"/>
+          </p:cNvSpPr>
+          <p:nvPr>
+            <p:ph idx="1"/>
+          </p:nvPr>
+        </p:nvSpPr>
+        <p:spPr>
+          <a:xfrm>
+            <a:off x="1097280" y="1069572"/>
+            <a:ext cx="10058400" cy="5035204"/>
+          </a:xfrm>
+        </p:spPr>
+        <p:txBody>
+          <a:bodyPr/>
+          <a:lstStyle/>
+          <a:p>
+            <a:r>
+              <a:rPr lang="en-US" dirty="0">
+                <a:latin typeface="+mj-lt"/>
+              </a:rPr>
+              <a:t>DEMO FOR LEXER</a:t>
+            </a:r>
+          </a:p>
+          <a:p>
+            <a:r>
+              <a:rPr lang="en-IN" b="0" u="sng" dirty="0">
+                <a:solidFill>
+                  <a:schemeClr val="tx2"/>
+                </a:solidFill>
+                <a:effectLst/>
+                <a:latin typeface="Consolas" panose="020B0609020204030204" pitchFamily="49" charset="0"/>
+                <a:hlinkClick r:id="rId2"/>
+              </a:rPr>
+              <a:t>https://drive.google.com/file/d/1GwMW1hHCxU5I6jFpPWGmZTH70Ek3j6te/view?usp=drive_link</a:t>
+            </a:r>
+            <a:endParaRPr lang="en-IN" b="0" u="sng" dirty="0">
+              <a:solidFill>
+                <a:schemeClr val="tx2"/>
+              </a:solidFill>
+              <a:effectLst/>
+              <a:latin typeface="Consolas" panose="020B0609020204030204" pitchFamily="49" charset="0"/>
+            </a:endParaRPr>
+          </a:p>
+          <a:p>
+            <a:endParaRPr lang="en-IN" u="sng" dirty="0">
+              <a:solidFill>
+                <a:schemeClr val="tx2"/>
+              </a:solidFill>
+              <a:latin typeface="Consolas" panose="020B0609020204030204" pitchFamily="49" charset="0"/>
+            </a:endParaRPr>
+          </a:p>
+          <a:p>
+            <a:r>
+              <a:rPr lang="en-IN" b="0" dirty="0">
+                <a:solidFill>
+                  <a:schemeClr val="tx2"/>
+                </a:solidFill>
+                <a:effectLst/>
+                <a:latin typeface="+mj-lt"/>
+              </a:rPr>
+              <a:t>CODE LINK</a:t>
+            </a:r>
+          </a:p>
+          <a:p>
+            <a:r>
+              <a:rPr lang="en-IN" dirty="0">
+                <a:hlinkClick r:id="rId3"/>
+              </a:rPr>
+              <a:t>Datum/</a:t>
+            </a:r>
+            <a:r>
+              <a:rPr lang="en-IN" dirty="0" err="1">
+                <a:hlinkClick r:id="rId3"/>
+              </a:rPr>
+              <a:t>lexer</a:t>
+            </a:r>
+            <a:r>
+              <a:rPr lang="en-IN" dirty="0">
+                <a:hlinkClick r:id="rId3"/>
+              </a:rPr>
+              <a:t>/</a:t>
+            </a:r>
+            <a:r>
+              <a:rPr lang="en-IN" dirty="0" err="1">
+                <a:hlinkClick r:id="rId3"/>
+              </a:rPr>
+              <a:t>lexer.l</a:t>
+            </a:r>
+            <a:r>
+              <a:rPr lang="en-IN" dirty="0">
+                <a:hlinkClick r:id="rId3"/>
+              </a:rPr>
+              <a:t> at main · ksananth4424/Datum (github.com)</a:t>
+            </a:r>
+            <a:endParaRPr lang="en-IN" dirty="0">
+              <a:solidFill>
+                <a:schemeClr val="tx2"/>
+              </a:solidFill>
+              <a:latin typeface="+mj-lt"/>
+            </a:endParaRPr>
+          </a:p>
+          <a:p>
+            <a:endParaRPr lang="en-IN" b="0" dirty="0">
+              <a:solidFill>
+                <a:schemeClr val="tx2"/>
+              </a:solidFill>
+              <a:effectLst/>
+              <a:latin typeface="+mj-lt"/>
+            </a:endParaRPr>
+          </a:p>
+          <a:p>
+            <a:r>
+              <a:rPr lang="en-IN" dirty="0">
+                <a:solidFill>
+                  <a:schemeClr val="tx2"/>
+                </a:solidFill>
+                <a:latin typeface="+mj-lt"/>
+              </a:rPr>
+              <a:t>REFERENCES USED</a:t>
+            </a:r>
+          </a:p>
+          <a:p>
+            <a:r>
+              <a:rPr lang="en-IN" b="0" dirty="0">
+                <a:solidFill>
+                  <a:schemeClr val="tx2"/>
+                </a:solidFill>
+                <a:effectLst/>
+                <a:latin typeface="+mj-lt"/>
+              </a:rPr>
+              <a:t>ANSI C Lex: </a:t>
+            </a:r>
+            <a:r>
+              <a:rPr lang="en-IN" dirty="0">
+                <a:hlinkClick r:id="rId4"/>
+              </a:rPr>
+              <a:t>ANSI C grammar (Lex) (liu.se)</a:t>
+            </a:r>
+            <a:endParaRPr lang="en-IN" b="0" dirty="0">
+              <a:solidFill>
+                <a:schemeClr val="tx2"/>
+              </a:solidFill>
+              <a:effectLst/>
+              <a:latin typeface="+mj-lt"/>
+            </a:endParaRPr>
+          </a:p>
+          <a:p>
+            <a:endParaRPr lang="en-IN" dirty="0">
+              <a:latin typeface="+mj-lt"/>
+            </a:endParaRPr>
+          </a:p>
+        </p:txBody>
+      </p:sp>
+    </p:spTree>
+    <p:extLst>
+      <p:ext uri="{BB962C8B-B14F-4D97-AF65-F5344CB8AC3E}">
+        <p14:creationId xmlns:p14="http://schemas.microsoft.com/office/powerpoint/2010/main" val="3950765045"/>
       </p:ext>
     </p:extLst>
   </p:cSld>
@@ -7199,15 +7564,6 @@
 </file>
 
 <file path=customXml/item1.xml><?xml version="1.0" encoding="utf-8"?>
-<?mso-contentType ?>
-<FormTemplates xmlns="http://schemas.microsoft.com/sharepoint/v3/contenttype/forms">
-  <Display>DocumentLibraryForm</Display>
-  <Edit>DocumentLibraryForm</Edit>
-  <New>DocumentLibraryForm</New>
-</FormTemplates>
-</file>
-
-<file path=customXml/item2.xml><?xml version="1.0" encoding="utf-8"?>
 <ct:contentTypeSchema xmlns:ct="http://schemas.microsoft.com/office/2006/metadata/contentType" xmlns:ma="http://schemas.microsoft.com/office/2006/metadata/properties/metaAttributes" ct:_="" ma:_="" ma:contentTypeName="Document" ma:contentTypeID="0x01010079F111ED35F8CC479449609E8A0923A6" ma:contentTypeVersion="12" ma:contentTypeDescription="Create a new document." ma:contentTypeScope="" ma:versionID="426e97fa315356fffbdcd9876fe988c2">
   <xsd:schema xmlns:xsd="http://www.w3.org/2001/XMLSchema" xmlns:xs="http://www.w3.org/2001/XMLSchema" xmlns:p="http://schemas.microsoft.com/office/2006/metadata/properties" xmlns:ns2="71af3243-3dd4-4a8d-8c0d-dd76da1f02a5" xmlns:ns3="16c05727-aa75-4e4a-9b5f-8a80a1165891" targetNamespace="http://schemas.microsoft.com/office/2006/metadata/properties" ma:root="true" ma:fieldsID="14b8f0def80e6d70ce3def20c90759ae" ns2:_="" ns3:_="">
     <xsd:import namespace="71af3243-3dd4-4a8d-8c0d-dd76da1f02a5"/>
@@ -7428,7 +7784,7 @@
 </ct:contentTypeSchema>
 </file>
 
-<file path=customXml/item3.xml><?xml version="1.0" encoding="utf-8"?>
+<file path=customXml/item2.xml><?xml version="1.0" encoding="utf-8"?>
 <p:properties xmlns:p="http://schemas.microsoft.com/office/2006/metadata/properties" xmlns:xsi="http://www.w3.org/2001/XMLSchema-instance" xmlns:pc="http://schemas.microsoft.com/office/infopath/2007/PartnerControls">
   <documentManagement>
     <Status xmlns="71af3243-3dd4-4a8d-8c0d-dd76da1f02a5">Not started</Status>
@@ -7437,15 +7793,16 @@
 </p:properties>
 </file>
 
-<file path=customXml/itemProps1.xml><?xml version="1.0" encoding="utf-8"?>
-<ds:datastoreItem xmlns:ds="http://schemas.openxmlformats.org/officeDocument/2006/customXml" ds:itemID="{DFD056C4-A927-4BAC-8BD5-4F73ED8EFD72}">
-  <ds:schemaRefs>
-    <ds:schemaRef ds:uri="http://schemas.microsoft.com/sharepoint/v3/contenttype/forms"/>
-  </ds:schemaRefs>
-</ds:datastoreItem>
+<file path=customXml/item3.xml><?xml version="1.0" encoding="utf-8"?>
+<?mso-contentType ?>
+<FormTemplates xmlns="http://schemas.microsoft.com/sharepoint/v3/contenttype/forms">
+  <Display>DocumentLibraryForm</Display>
+  <Edit>DocumentLibraryForm</Edit>
+  <New>DocumentLibraryForm</New>
+</FormTemplates>
 </file>
 
-<file path=customXml/itemProps2.xml><?xml version="1.0" encoding="utf-8"?>
+<file path=customXml/itemProps1.xml><?xml version="1.0" encoding="utf-8"?>
 <ds:datastoreItem xmlns:ds="http://schemas.openxmlformats.org/officeDocument/2006/customXml" ds:itemID="{BFB4A24C-CCE9-4740-BAFA-219F1C86C74B}">
   <ds:schemaRefs>
     <ds:schemaRef ds:uri="http://schemas.microsoft.com/office/2006/metadata/contentType"/>
@@ -7464,12 +7821,27 @@
 </ds:datastoreItem>
 </file>
 
-<file path=customXml/itemProps3.xml><?xml version="1.0" encoding="utf-8"?>
+<file path=customXml/itemProps2.xml><?xml version="1.0" encoding="utf-8"?>
 <ds:datastoreItem xmlns:ds="http://schemas.openxmlformats.org/officeDocument/2006/customXml" ds:itemID="{BFDE7DE8-0743-4BE4-AE4C-DC7F07012C0F}">
   <ds:schemaRefs>
+    <ds:schemaRef ds:uri="http://schemas.microsoft.com/office/2006/documentManagement/types"/>
+    <ds:schemaRef ds:uri="http://schemas.openxmlformats.org/package/2006/metadata/core-properties"/>
+    <ds:schemaRef ds:uri="71af3243-3dd4-4a8d-8c0d-dd76da1f02a5"/>
+    <ds:schemaRef ds:uri="http://purl.org/dc/terms/"/>
     <ds:schemaRef ds:uri="http://schemas.microsoft.com/office/2006/metadata/properties"/>
+    <ds:schemaRef ds:uri="http://www.w3.org/XML/1998/namespace"/>
+    <ds:schemaRef ds:uri="http://purl.org/dc/elements/1.1/"/>
+    <ds:schemaRef ds:uri="http://purl.org/dc/dcmitype/"/>
     <ds:schemaRef ds:uri="http://schemas.microsoft.com/office/infopath/2007/PartnerControls"/>
-    <ds:schemaRef ds:uri="71af3243-3dd4-4a8d-8c0d-dd76da1f02a5"/>
+    <ds:schemaRef ds:uri="16c05727-aa75-4e4a-9b5f-8a80a1165891"/>
+  </ds:schemaRefs>
+</ds:datastoreItem>
+</file>
+
+<file path=customXml/itemProps3.xml><?xml version="1.0" encoding="utf-8"?>
+<ds:datastoreItem xmlns:ds="http://schemas.openxmlformats.org/officeDocument/2006/customXml" ds:itemID="{DFD056C4-A927-4BAC-8BD5-4F73ED8EFD72}">
+  <ds:schemaRefs>
+    <ds:schemaRef ds:uri="http://schemas.microsoft.com/sharepoint/v3/contenttype/forms"/>
   </ds:schemaRefs>
 </ds:datastoreItem>
 </file>